--- a/images/Ising2D-Model.pptx
+++ b/images/Ising2D-Model.pptx
@@ -259,7 +259,7 @@
           <a:p>
             <a:fld id="{BBC647B8-377A-2148-A7CB-65BB643CAACC}" type="datetimeFigureOut">
               <a:rPr lang="en-US" smtClean="0"/>
-              <a:t>12/11/19</a:t>
+              <a:t>12/13/19</a:t>
             </a:fld>
             <a:endParaRPr lang="en-US"/>
           </a:p>
@@ -457,7 +457,7 @@
           <a:p>
             <a:fld id="{BBC647B8-377A-2148-A7CB-65BB643CAACC}" type="datetimeFigureOut">
               <a:rPr lang="en-US" smtClean="0"/>
-              <a:t>12/11/19</a:t>
+              <a:t>12/13/19</a:t>
             </a:fld>
             <a:endParaRPr lang="en-US"/>
           </a:p>
@@ -665,7 +665,7 @@
           <a:p>
             <a:fld id="{BBC647B8-377A-2148-A7CB-65BB643CAACC}" type="datetimeFigureOut">
               <a:rPr lang="en-US" smtClean="0"/>
-              <a:t>12/11/19</a:t>
+              <a:t>12/13/19</a:t>
             </a:fld>
             <a:endParaRPr lang="en-US"/>
           </a:p>
@@ -863,7 +863,7 @@
           <a:p>
             <a:fld id="{BBC647B8-377A-2148-A7CB-65BB643CAACC}" type="datetimeFigureOut">
               <a:rPr lang="en-US" smtClean="0"/>
-              <a:t>12/11/19</a:t>
+              <a:t>12/13/19</a:t>
             </a:fld>
             <a:endParaRPr lang="en-US"/>
           </a:p>
@@ -1138,7 +1138,7 @@
           <a:p>
             <a:fld id="{BBC647B8-377A-2148-A7CB-65BB643CAACC}" type="datetimeFigureOut">
               <a:rPr lang="en-US" smtClean="0"/>
-              <a:t>12/11/19</a:t>
+              <a:t>12/13/19</a:t>
             </a:fld>
             <a:endParaRPr lang="en-US"/>
           </a:p>
@@ -1403,7 +1403,7 @@
           <a:p>
             <a:fld id="{BBC647B8-377A-2148-A7CB-65BB643CAACC}" type="datetimeFigureOut">
               <a:rPr lang="en-US" smtClean="0"/>
-              <a:t>12/11/19</a:t>
+              <a:t>12/13/19</a:t>
             </a:fld>
             <a:endParaRPr lang="en-US"/>
           </a:p>
@@ -1815,7 +1815,7 @@
           <a:p>
             <a:fld id="{BBC647B8-377A-2148-A7CB-65BB643CAACC}" type="datetimeFigureOut">
               <a:rPr lang="en-US" smtClean="0"/>
-              <a:t>12/11/19</a:t>
+              <a:t>12/13/19</a:t>
             </a:fld>
             <a:endParaRPr lang="en-US"/>
           </a:p>
@@ -1956,7 +1956,7 @@
           <a:p>
             <a:fld id="{BBC647B8-377A-2148-A7CB-65BB643CAACC}" type="datetimeFigureOut">
               <a:rPr lang="en-US" smtClean="0"/>
-              <a:t>12/11/19</a:t>
+              <a:t>12/13/19</a:t>
             </a:fld>
             <a:endParaRPr lang="en-US"/>
           </a:p>
@@ -2069,7 +2069,7 @@
           <a:p>
             <a:fld id="{BBC647B8-377A-2148-A7CB-65BB643CAACC}" type="datetimeFigureOut">
               <a:rPr lang="en-US" smtClean="0"/>
-              <a:t>12/11/19</a:t>
+              <a:t>12/13/19</a:t>
             </a:fld>
             <a:endParaRPr lang="en-US"/>
           </a:p>
@@ -2380,7 +2380,7 @@
           <a:p>
             <a:fld id="{BBC647B8-377A-2148-A7CB-65BB643CAACC}" type="datetimeFigureOut">
               <a:rPr lang="en-US" smtClean="0"/>
-              <a:t>12/11/19</a:t>
+              <a:t>12/13/19</a:t>
             </a:fld>
             <a:endParaRPr lang="en-US"/>
           </a:p>
@@ -2668,7 +2668,7 @@
           <a:p>
             <a:fld id="{BBC647B8-377A-2148-A7CB-65BB643CAACC}" type="datetimeFigureOut">
               <a:rPr lang="en-US" smtClean="0"/>
-              <a:t>12/11/19</a:t>
+              <a:t>12/13/19</a:t>
             </a:fld>
             <a:endParaRPr lang="en-US"/>
           </a:p>
@@ -2909,7 +2909,7 @@
           <a:p>
             <a:fld id="{BBC647B8-377A-2148-A7CB-65BB643CAACC}" type="datetimeFigureOut">
               <a:rPr lang="en-US" smtClean="0"/>
-              <a:t>12/11/19</a:t>
+              <a:t>12/13/19</a:t>
             </a:fld>
             <a:endParaRPr lang="en-US"/>
           </a:p>
@@ -4662,34 +4662,103 @@
           </a:fontRef>
         </p:style>
       </p:cxnSp>
+      <p:sp>
+        <p:nvSpPr>
+          <p:cNvPr id="59" name="TextBox 58">
+            <a:extLst>
+              <a:ext uri="{FF2B5EF4-FFF2-40B4-BE49-F238E27FC236}">
+                <a16:creationId xmlns:a16="http://schemas.microsoft.com/office/drawing/2014/main" id="{AF463C67-6BCD-344E-8C04-72F99945B7C0}"/>
+              </a:ext>
+            </a:extLst>
+          </p:cNvPr>
+          <p:cNvSpPr txBox="1"/>
+          <p:nvPr/>
+        </p:nvSpPr>
+        <p:spPr>
+          <a:xfrm>
+            <a:off x="1257505" y="1565220"/>
+            <a:ext cx="1172116" cy="461665"/>
+          </a:xfrm>
+          <a:prstGeom prst="rect">
+            <a:avLst/>
+          </a:prstGeom>
+          <a:noFill/>
+        </p:spPr>
+        <p:txBody>
+          <a:bodyPr wrap="none" rtlCol="0">
+            <a:spAutoFit/>
+          </a:bodyPr>
+          <a:lstStyle/>
+          <a:p>
+            <a:r>
+              <a:rPr lang="en-US" sz="2400" dirty="0"/>
+              <a:t>Ising 2D</a:t>
+            </a:r>
+          </a:p>
+        </p:txBody>
+      </p:sp>
+      <p:sp>
+        <p:nvSpPr>
+          <p:cNvPr id="60" name="TextBox 59">
+            <a:extLst>
+              <a:ext uri="{FF2B5EF4-FFF2-40B4-BE49-F238E27FC236}">
+                <a16:creationId xmlns:a16="http://schemas.microsoft.com/office/drawing/2014/main" id="{71FEC45D-7FED-CD4A-A82F-65DADAA5C31F}"/>
+              </a:ext>
+            </a:extLst>
+          </p:cNvPr>
+          <p:cNvSpPr txBox="1"/>
+          <p:nvPr/>
+        </p:nvSpPr>
+        <p:spPr>
+          <a:xfrm>
+            <a:off x="4370659" y="1495168"/>
+            <a:ext cx="2491516" cy="461665"/>
+          </a:xfrm>
+          <a:prstGeom prst="rect">
+            <a:avLst/>
+          </a:prstGeom>
+          <a:noFill/>
+        </p:spPr>
+        <p:txBody>
+          <a:bodyPr wrap="none" rtlCol="0">
+            <a:spAutoFit/>
+          </a:bodyPr>
+          <a:lstStyle/>
+          <a:p>
+            <a:r>
+              <a:rPr lang="en-US" sz="2400" dirty="0"/>
+              <a:t>Ising 2D Triangular</a:t>
+            </a:r>
+          </a:p>
+        </p:txBody>
+      </p:sp>
       <p:cxnSp>
         <p:nvCxnSpPr>
-          <p:cNvPr id="56" name="Straight Arrow Connector 55">
-            <a:extLst>
-              <a:ext uri="{FF2B5EF4-FFF2-40B4-BE49-F238E27FC236}">
-                <a16:creationId xmlns:a16="http://schemas.microsoft.com/office/drawing/2014/main" id="{D591C52B-C222-884B-B210-92F2079F99C0}"/>
+          <p:cNvPr id="34" name="Straight Arrow Connector 33">
+            <a:extLst>
+              <a:ext uri="{FF2B5EF4-FFF2-40B4-BE49-F238E27FC236}">
+                <a16:creationId xmlns:a16="http://schemas.microsoft.com/office/drawing/2014/main" id="{B7E84394-E2A1-C94A-90C5-6BCE07100010}"/>
               </a:ext>
             </a:extLst>
           </p:cNvPr>
           <p:cNvCxnSpPr>
             <a:cxnSpLocks/>
+            <a:stCxn id="43" idx="0"/>
+            <a:endCxn id="43" idx="2"/>
           </p:cNvCxnSpPr>
           <p:nvPr/>
         </p:nvCxnSpPr>
         <p:spPr>
-          <a:xfrm>
-            <a:off x="6102094" y="2944994"/>
-            <a:ext cx="903889" cy="0"/>
+          <a:xfrm flipH="1">
+            <a:off x="6561220" y="2945000"/>
+            <a:ext cx="438665" cy="809297"/>
           </a:xfrm>
           <a:prstGeom prst="straightConnector1">
             <a:avLst/>
           </a:prstGeom>
           <a:ln w="50800">
             <a:solidFill>
-              <a:schemeClr val="accent6">
-                <a:lumMod val="60000"/>
-                <a:lumOff val="40000"/>
-              </a:schemeClr>
+              <a:srgbClr val="FF0000"/>
             </a:solidFill>
             <a:headEnd w="lg" len="med"/>
             <a:tailEnd type="triangle"/>
@@ -4712,32 +4781,31 @@
       </p:cxnSp>
       <p:cxnSp>
         <p:nvCxnSpPr>
-          <p:cNvPr id="57" name="Straight Arrow Connector 56">
-            <a:extLst>
-              <a:ext uri="{FF2B5EF4-FFF2-40B4-BE49-F238E27FC236}">
-                <a16:creationId xmlns:a16="http://schemas.microsoft.com/office/drawing/2014/main" id="{99EAAD51-B6E8-7841-BD30-3C8E3602B40F}"/>
+          <p:cNvPr id="37" name="Straight Arrow Connector 36">
+            <a:extLst>
+              <a:ext uri="{FF2B5EF4-FFF2-40B4-BE49-F238E27FC236}">
+                <a16:creationId xmlns:a16="http://schemas.microsoft.com/office/drawing/2014/main" id="{2C497EED-5471-1F47-9965-FB5EF99B5231}"/>
               </a:ext>
             </a:extLst>
           </p:cNvPr>
           <p:cNvCxnSpPr>
             <a:cxnSpLocks/>
+            <a:stCxn id="43" idx="0"/>
+            <a:endCxn id="44" idx="2"/>
           </p:cNvCxnSpPr>
           <p:nvPr/>
         </p:nvCxnSpPr>
         <p:spPr>
-          <a:xfrm flipV="1">
-            <a:off x="6102095" y="2135699"/>
-            <a:ext cx="438665" cy="809298"/>
+          <a:xfrm>
+            <a:off x="6999885" y="2945000"/>
+            <a:ext cx="426472" cy="809296"/>
           </a:xfrm>
           <a:prstGeom prst="straightConnector1">
             <a:avLst/>
           </a:prstGeom>
           <a:ln w="50800">
             <a:solidFill>
-              <a:schemeClr val="accent6">
-                <a:lumMod val="60000"/>
-                <a:lumOff val="40000"/>
-              </a:schemeClr>
+              <a:srgbClr val="FF0000"/>
             </a:solidFill>
             <a:headEnd w="lg" len="med"/>
             <a:tailEnd type="triangle"/>
@@ -4760,32 +4828,31 @@
       </p:cxnSp>
       <p:cxnSp>
         <p:nvCxnSpPr>
-          <p:cNvPr id="58" name="Straight Arrow Connector 57">
-            <a:extLst>
-              <a:ext uri="{FF2B5EF4-FFF2-40B4-BE49-F238E27FC236}">
-                <a16:creationId xmlns:a16="http://schemas.microsoft.com/office/drawing/2014/main" id="{EA288C1F-8011-1A4A-83AF-2EA9840EE4D7}"/>
+          <p:cNvPr id="52" name="Straight Arrow Connector 51">
+            <a:extLst>
+              <a:ext uri="{FF2B5EF4-FFF2-40B4-BE49-F238E27FC236}">
+                <a16:creationId xmlns:a16="http://schemas.microsoft.com/office/drawing/2014/main" id="{A57D307E-B270-3440-9166-02F0B1DFE16C}"/>
               </a:ext>
             </a:extLst>
           </p:cNvPr>
           <p:cNvCxnSpPr>
             <a:cxnSpLocks/>
+            <a:stCxn id="43" idx="0"/>
+            <a:endCxn id="45" idx="4"/>
           </p:cNvCxnSpPr>
           <p:nvPr/>
         </p:nvCxnSpPr>
         <p:spPr>
           <a:xfrm flipH="1" flipV="1">
-            <a:off x="5636875" y="2135700"/>
-            <a:ext cx="438664" cy="809297"/>
+            <a:off x="6061177" y="2944998"/>
+            <a:ext cx="938708" cy="2"/>
           </a:xfrm>
           <a:prstGeom prst="straightConnector1">
             <a:avLst/>
           </a:prstGeom>
           <a:ln w="50800">
             <a:solidFill>
-              <a:schemeClr val="accent6">
-                <a:lumMod val="60000"/>
-                <a:lumOff val="40000"/>
-              </a:schemeClr>
+              <a:srgbClr val="FF0000"/>
             </a:solidFill>
             <a:headEnd w="lg" len="med"/>
             <a:tailEnd type="triangle"/>
@@ -4806,76 +4873,141 @@
           </a:fontRef>
         </p:style>
       </p:cxnSp>
-      <p:sp>
-        <p:nvSpPr>
-          <p:cNvPr id="59" name="TextBox 58">
-            <a:extLst>
-              <a:ext uri="{FF2B5EF4-FFF2-40B4-BE49-F238E27FC236}">
-                <a16:creationId xmlns:a16="http://schemas.microsoft.com/office/drawing/2014/main" id="{AF463C67-6BCD-344E-8C04-72F99945B7C0}"/>
-              </a:ext>
-            </a:extLst>
-          </p:cNvPr>
-          <p:cNvSpPr txBox="1"/>
+      <p:cxnSp>
+        <p:nvCxnSpPr>
+          <p:cNvPr id="54" name="Straight Arrow Connector 53">
+            <a:extLst>
+              <a:ext uri="{FF2B5EF4-FFF2-40B4-BE49-F238E27FC236}">
+                <a16:creationId xmlns:a16="http://schemas.microsoft.com/office/drawing/2014/main" id="{A5D95D65-600F-B245-AD9F-DBB2E50D4C85}"/>
+              </a:ext>
+            </a:extLst>
+          </p:cNvPr>
+          <p:cNvCxnSpPr>
+            <a:cxnSpLocks/>
+          </p:cNvCxnSpPr>
           <p:nvPr/>
-        </p:nvSpPr>
+        </p:nvCxnSpPr>
         <p:spPr>
           <a:xfrm>
-            <a:off x="1257505" y="1565220"/>
-            <a:ext cx="1172116" cy="461665"/>
-          </a:xfrm>
-          <a:prstGeom prst="rect">
+            <a:off x="4096471" y="2944997"/>
+            <a:ext cx="0" cy="897954"/>
+          </a:xfrm>
+          <a:prstGeom prst="straightConnector1">
             <a:avLst/>
           </a:prstGeom>
-          <a:noFill/>
-        </p:spPr>
-        <p:txBody>
-          <a:bodyPr wrap="none" rtlCol="0">
-            <a:spAutoFit/>
-          </a:bodyPr>
-          <a:lstStyle/>
-          <a:p>
-            <a:r>
-              <a:rPr lang="en-US" sz="2400" dirty="0"/>
-              <a:t>Ising 2D</a:t>
-            </a:r>
-          </a:p>
-        </p:txBody>
-      </p:sp>
-      <p:sp>
-        <p:nvSpPr>
-          <p:cNvPr id="60" name="TextBox 59">
-            <a:extLst>
-              <a:ext uri="{FF2B5EF4-FFF2-40B4-BE49-F238E27FC236}">
-                <a16:creationId xmlns:a16="http://schemas.microsoft.com/office/drawing/2014/main" id="{71FEC45D-7FED-CD4A-A82F-65DADAA5C31F}"/>
-              </a:ext>
-            </a:extLst>
-          </p:cNvPr>
-          <p:cNvSpPr txBox="1"/>
+          <a:ln w="50800">
+            <a:solidFill>
+              <a:srgbClr val="FF0000"/>
+            </a:solidFill>
+            <a:headEnd w="lg" len="med"/>
+            <a:tailEnd type="triangle"/>
+          </a:ln>
+        </p:spPr>
+        <p:style>
+          <a:lnRef idx="1">
+            <a:schemeClr val="accent1"/>
+          </a:lnRef>
+          <a:fillRef idx="0">
+            <a:schemeClr val="accent1"/>
+          </a:fillRef>
+          <a:effectRef idx="0">
+            <a:schemeClr val="accent1"/>
+          </a:effectRef>
+          <a:fontRef idx="minor">
+            <a:schemeClr val="tx1"/>
+          </a:fontRef>
+        </p:style>
+      </p:cxnSp>
+      <p:cxnSp>
+        <p:nvCxnSpPr>
+          <p:cNvPr id="55" name="Straight Arrow Connector 54">
+            <a:extLst>
+              <a:ext uri="{FF2B5EF4-FFF2-40B4-BE49-F238E27FC236}">
+                <a16:creationId xmlns:a16="http://schemas.microsoft.com/office/drawing/2014/main" id="{0338A279-8B42-B947-887E-85C55E95B1B9}"/>
+              </a:ext>
+            </a:extLst>
+          </p:cNvPr>
+          <p:cNvCxnSpPr>
+            <a:cxnSpLocks/>
+          </p:cNvCxnSpPr>
           <p:nvPr/>
-        </p:nvSpPr>
-        <p:spPr>
-          <a:xfrm>
-            <a:off x="4370659" y="1495168"/>
-            <a:ext cx="2491516" cy="461665"/>
-          </a:xfrm>
-          <a:prstGeom prst="rect">
+        </p:nvCxnSpPr>
+        <p:spPr>
+          <a:xfrm flipH="1">
+            <a:off x="3192588" y="2944997"/>
+            <a:ext cx="903883" cy="0"/>
+          </a:xfrm>
+          <a:prstGeom prst="straightConnector1">
             <a:avLst/>
           </a:prstGeom>
-          <a:noFill/>
-        </p:spPr>
-        <p:txBody>
-          <a:bodyPr wrap="none" rtlCol="0">
-            <a:spAutoFit/>
-          </a:bodyPr>
-          <a:lstStyle/>
-          <a:p>
-            <a:r>
-              <a:rPr lang="en-US" sz="2400" dirty="0"/>
-              <a:t>Ising 2D Triangular</a:t>
-            </a:r>
-          </a:p>
-        </p:txBody>
-      </p:sp>
+          <a:ln w="50800">
+            <a:solidFill>
+              <a:srgbClr val="FF0000"/>
+            </a:solidFill>
+            <a:headEnd w="lg" len="med"/>
+            <a:tailEnd type="triangle"/>
+          </a:ln>
+        </p:spPr>
+        <p:style>
+          <a:lnRef idx="1">
+            <a:schemeClr val="accent1"/>
+          </a:lnRef>
+          <a:fillRef idx="0">
+            <a:schemeClr val="accent1"/>
+          </a:fillRef>
+          <a:effectRef idx="0">
+            <a:schemeClr val="accent1"/>
+          </a:effectRef>
+          <a:fontRef idx="minor">
+            <a:schemeClr val="tx1"/>
+          </a:fontRef>
+        </p:style>
+      </p:cxnSp>
+      <p:cxnSp>
+        <p:nvCxnSpPr>
+          <p:cNvPr id="61" name="Straight Arrow Connector 60">
+            <a:extLst>
+              <a:ext uri="{FF2B5EF4-FFF2-40B4-BE49-F238E27FC236}">
+                <a16:creationId xmlns:a16="http://schemas.microsoft.com/office/drawing/2014/main" id="{36C0C78B-CFAE-0C4B-A24E-DCB25A859D34}"/>
+              </a:ext>
+            </a:extLst>
+          </p:cNvPr>
+          <p:cNvCxnSpPr>
+            <a:cxnSpLocks/>
+          </p:cNvCxnSpPr>
+          <p:nvPr/>
+        </p:nvCxnSpPr>
+        <p:spPr>
+          <a:xfrm flipH="1">
+            <a:off x="3192589" y="2944997"/>
+            <a:ext cx="903882" cy="809299"/>
+          </a:xfrm>
+          <a:prstGeom prst="straightConnector1">
+            <a:avLst/>
+          </a:prstGeom>
+          <a:ln w="50800">
+            <a:solidFill>
+              <a:srgbClr val="FF0000"/>
+            </a:solidFill>
+            <a:headEnd w="lg" len="med"/>
+            <a:tailEnd type="triangle"/>
+          </a:ln>
+        </p:spPr>
+        <p:style>
+          <a:lnRef idx="1">
+            <a:schemeClr val="accent1"/>
+          </a:lnRef>
+          <a:fillRef idx="0">
+            <a:schemeClr val="accent1"/>
+          </a:fillRef>
+          <a:effectRef idx="0">
+            <a:schemeClr val="accent1"/>
+          </a:effectRef>
+          <a:fontRef idx="minor">
+            <a:schemeClr val="tx1"/>
+          </a:fontRef>
+        </p:style>
+      </p:cxnSp>
     </p:spTree>
     <p:extLst>
       <p:ext uri="{BB962C8B-B14F-4D97-AF65-F5344CB8AC3E}">
